--- a/documents/midterm presentation/Midterm Presentation.pptx
+++ b/documents/midterm presentation/Midterm Presentation.pptx
@@ -5,10 +5,10 @@
     <p:sldMasterId id="2147483649" r:id="rId1"/>
   </p:sldMasterIdLst>
   <p:notesMasterIdLst>
-    <p:notesMasterId r:id="rId22"/>
+    <p:notesMasterId r:id="rId23"/>
   </p:notesMasterIdLst>
   <p:handoutMasterIdLst>
-    <p:handoutMasterId r:id="rId23"/>
+    <p:handoutMasterId r:id="rId24"/>
   </p:handoutMasterIdLst>
   <p:sldIdLst>
     <p:sldId id="256" r:id="rId2"/>
@@ -18,19 +18,20 @@
     <p:sldId id="334" r:id="rId6"/>
     <p:sldId id="335" r:id="rId7"/>
     <p:sldId id="336" r:id="rId8"/>
-    <p:sldId id="337" r:id="rId9"/>
-    <p:sldId id="339" r:id="rId10"/>
-    <p:sldId id="342" r:id="rId11"/>
-    <p:sldId id="343" r:id="rId12"/>
-    <p:sldId id="330" r:id="rId13"/>
-    <p:sldId id="329" r:id="rId14"/>
-    <p:sldId id="338" r:id="rId15"/>
-    <p:sldId id="344" r:id="rId16"/>
-    <p:sldId id="345" r:id="rId17"/>
-    <p:sldId id="340" r:id="rId18"/>
-    <p:sldId id="325" r:id="rId19"/>
-    <p:sldId id="326" r:id="rId20"/>
-    <p:sldId id="314" r:id="rId21"/>
+    <p:sldId id="348" r:id="rId9"/>
+    <p:sldId id="349" r:id="rId10"/>
+    <p:sldId id="351" r:id="rId11"/>
+    <p:sldId id="350" r:id="rId12"/>
+    <p:sldId id="347" r:id="rId13"/>
+    <p:sldId id="330" r:id="rId14"/>
+    <p:sldId id="329" r:id="rId15"/>
+    <p:sldId id="338" r:id="rId16"/>
+    <p:sldId id="344" r:id="rId17"/>
+    <p:sldId id="345" r:id="rId18"/>
+    <p:sldId id="340" r:id="rId19"/>
+    <p:sldId id="325" r:id="rId20"/>
+    <p:sldId id="326" r:id="rId21"/>
+    <p:sldId id="314" r:id="rId22"/>
   </p:sldIdLst>
   <p:sldSz cx="9144000" cy="6858000" type="screen4x3"/>
   <p:notesSz cx="6858000" cy="9144000"/>
@@ -296,7 +297,7 @@
               <a:pPr>
                 <a:defRPr/>
               </a:pPr>
-              <a:t>18.12.2016</a:t>
+              <a:t>19.12.2016</a:t>
             </a:fld>
             <a:endParaRPr lang="de-DE"/>
           </a:p>
@@ -510,7 +511,7 @@
               <a:pPr>
                 <a:defRPr/>
               </a:pPr>
-              <a:t>18.12.2016</a:t>
+              <a:t>19.12.2016</a:t>
             </a:fld>
             <a:endParaRPr lang="de-DE"/>
           </a:p>
@@ -877,7 +878,7 @@
           </a:ln>
           <a:extLst>
             <a:ext uri="{909E8E84-426E-40dd-AFC4-6F175D3DCCD1}">
-              <a14:hiddenFill xmlns="" xmlns:a14="http://schemas.microsoft.com/office/drawing/2010/main">
+              <a14:hiddenFill xmlns:a14="http://schemas.microsoft.com/office/drawing/2010/main" xmlns="">
                 <a:solidFill>
                   <a:srgbClr val="FFFFFF"/>
                 </a:solidFill>
@@ -900,14 +901,14 @@
           <a:noFill/>
           <a:extLst>
             <a:ext uri="{909E8E84-426E-40dd-AFC4-6F175D3DCCD1}">
-              <a14:hiddenFill xmlns="" xmlns:a14="http://schemas.microsoft.com/office/drawing/2010/main">
+              <a14:hiddenFill xmlns:a14="http://schemas.microsoft.com/office/drawing/2010/main" xmlns="">
                 <a:solidFill>
                   <a:srgbClr val="FFFFFF"/>
                 </a:solidFill>
               </a14:hiddenFill>
             </a:ext>
             <a:ext uri="{91240B29-F687-4f45-9708-019B960494DF}">
-              <a14:hiddenLine xmlns="" xmlns:a14="http://schemas.microsoft.com/office/drawing/2010/main" w="9525">
+              <a14:hiddenLine xmlns:a14="http://schemas.microsoft.com/office/drawing/2010/main" xmlns="" w="9525">
                 <a:solidFill>
                   <a:srgbClr val="000000"/>
                 </a:solidFill>
@@ -1103,7 +1104,7 @@
     </p:spTree>
     <p:extLst>
       <p:ext uri="{BB962C8B-B14F-4D97-AF65-F5344CB8AC3E}">
-        <p14:creationId xmlns:p14="http://schemas.microsoft.com/office/powerpoint/2010/main" val="3274758873"/>
+        <p14:creationId xmlns:p14="http://schemas.microsoft.com/office/powerpoint/2010/main" val="3745935061"/>
       </p:ext>
     </p:extLst>
   </p:cSld>
@@ -1249,7 +1250,7 @@
     </p:spTree>
     <p:extLst>
       <p:ext uri="{BB962C8B-B14F-4D97-AF65-F5344CB8AC3E}">
-        <p14:creationId xmlns:p14="http://schemas.microsoft.com/office/powerpoint/2010/main" val="3211464913"/>
+        <p14:creationId xmlns:p14="http://schemas.microsoft.com/office/powerpoint/2010/main" val="900998958"/>
       </p:ext>
     </p:extLst>
   </p:cSld>
@@ -1278,80 +1279,124 @@
       </p:grpSpPr>
       <p:sp>
         <p:nvSpPr>
-          <p:cNvPr id="8194" name="Rectangle 2"/>
-          <p:cNvSpPr>
-            <a:spLocks noGrp="1" noRot="1" noChangeAspect="1" noChangeArrowheads="1" noTextEdit="1"/>
+          <p:cNvPr id="2" name="Folienbildplatzhalter 1"/>
+          <p:cNvSpPr>
+            <a:spLocks noGrp="1" noRot="1" noChangeAspect="1"/>
           </p:cNvSpPr>
           <p:nvPr>
             <p:ph type="sldImg"/>
           </p:nvPr>
         </p:nvSpPr>
-        <p:spPr bwMode="auto">
-          <a:noFill/>
-          <a:ln>
-            <a:solidFill>
-              <a:srgbClr val="000000"/>
-            </a:solidFill>
-            <a:miter lim="800000"/>
-            <a:headEnd/>
-            <a:tailEnd/>
-          </a:ln>
-          <a:extLst>
-            <a:ext uri="{909E8E84-426E-40dd-AFC4-6F175D3DCCD1}">
-              <a14:hiddenFill xmlns="" xmlns:a14="http://schemas.microsoft.com/office/drawing/2010/main">
-                <a:solidFill>
-                  <a:srgbClr val="FFFFFF"/>
-                </a:solidFill>
-              </a14:hiddenFill>
-            </a:ext>
-          </a:extLst>
-        </p:spPr>
-      </p:sp>
-      <p:sp>
-        <p:nvSpPr>
-          <p:cNvPr id="8195" name="Rectangle 3"/>
-          <p:cNvSpPr>
-            <a:spLocks noGrp="1" noChangeArrowheads="1"/>
+        <p:spPr/>
+      </p:sp>
+      <p:sp>
+        <p:nvSpPr>
+          <p:cNvPr id="3" name="Notizenplatzhalter 2"/>
+          <p:cNvSpPr>
+            <a:spLocks noGrp="1"/>
           </p:cNvSpPr>
           <p:nvPr>
             <p:ph type="body" idx="1"/>
           </p:nvPr>
         </p:nvSpPr>
-        <p:spPr bwMode="auto">
-          <a:noFill/>
-          <a:extLst>
-            <a:ext uri="{909E8E84-426E-40dd-AFC4-6F175D3DCCD1}">
-              <a14:hiddenFill xmlns="" xmlns:a14="http://schemas.microsoft.com/office/drawing/2010/main">
-                <a:solidFill>
-                  <a:srgbClr val="FFFFFF"/>
-                </a:solidFill>
-              </a14:hiddenFill>
-            </a:ext>
-            <a:ext uri="{91240B29-F687-4f45-9708-019B960494DF}">
-              <a14:hiddenLine xmlns="" xmlns:a14="http://schemas.microsoft.com/office/drawing/2010/main" w="9525">
-                <a:solidFill>
-                  <a:srgbClr val="000000"/>
-                </a:solidFill>
-                <a:miter lim="800000"/>
-                <a:headEnd/>
-                <a:tailEnd/>
-              </a14:hiddenLine>
-            </a:ext>
-          </a:extLst>
-        </p:spPr>
+        <p:spPr/>
         <p:txBody>
           <a:bodyPr/>
           <a:lstStyle/>
           <a:p>
-            <a:pPr eaLnBrk="1" hangingPunct="1"/>
-            <a:endParaRPr lang="en-US" dirty="0" smtClean="0"/>
+            <a:pPr marL="171450" indent="-171450">
+              <a:buFontTx/>
+              <a:buChar char="-"/>
+            </a:pPr>
+            <a:r>
+              <a:rPr lang="de-DE" baseline="0" dirty="0" err="1" smtClean="0"/>
+              <a:t>Gyroscope</a:t>
+            </a:r>
+            <a:r>
+              <a:rPr lang="de-DE" baseline="0" dirty="0" smtClean="0"/>
+              <a:t>, </a:t>
+            </a:r>
+            <a:r>
+              <a:rPr lang="de-DE" baseline="0" dirty="0" err="1" smtClean="0"/>
+              <a:t>accelerometer</a:t>
+            </a:r>
+            <a:r>
+              <a:rPr lang="de-DE" baseline="0" dirty="0" smtClean="0"/>
+              <a:t>, </a:t>
+            </a:r>
+            <a:r>
+              <a:rPr lang="de-DE" baseline="0" dirty="0" err="1" smtClean="0"/>
+              <a:t>geomagnetic</a:t>
+            </a:r>
+            <a:r>
+              <a:rPr lang="de-DE" baseline="0" dirty="0" smtClean="0"/>
+              <a:t> </a:t>
+            </a:r>
+            <a:r>
+              <a:rPr lang="de-DE" baseline="0" dirty="0" err="1" smtClean="0"/>
+              <a:t>sensor</a:t>
+            </a:r>
+            <a:endParaRPr lang="de-DE" baseline="0" dirty="0" smtClean="0"/>
+          </a:p>
+          <a:p>
+            <a:pPr marL="171450" indent="-171450">
+              <a:buFontTx/>
+              <a:buChar char="-"/>
+            </a:pPr>
+            <a:r>
+              <a:rPr lang="de-DE" baseline="0" dirty="0" smtClean="0"/>
+              <a:t>I²C, UART </a:t>
+            </a:r>
+          </a:p>
+          <a:p>
+            <a:pPr marL="171450" indent="-171450">
+              <a:buFontTx/>
+              <a:buChar char="-"/>
+            </a:pPr>
+            <a:endParaRPr lang="de-DE" baseline="0" dirty="0" smtClean="0"/>
+          </a:p>
+          <a:p>
+            <a:pPr marL="171450" indent="-171450">
+              <a:buFontTx/>
+              <a:buChar char="-"/>
+            </a:pPr>
+            <a:endParaRPr lang="en-US" dirty="0"/>
+          </a:p>
+        </p:txBody>
+      </p:sp>
+      <p:sp>
+        <p:nvSpPr>
+          <p:cNvPr id="4" name="Foliennummernplatzhalter 3"/>
+          <p:cNvSpPr>
+            <a:spLocks noGrp="1"/>
+          </p:cNvSpPr>
+          <p:nvPr>
+            <p:ph type="sldNum" sz="quarter" idx="10"/>
+          </p:nvPr>
+        </p:nvSpPr>
+        <p:spPr/>
+        <p:txBody>
+          <a:bodyPr/>
+          <a:lstStyle/>
+          <a:p>
+            <a:pPr>
+              <a:defRPr/>
+            </a:pPr>
+            <a:fld id="{2862BEF5-1C52-47B1-8D1A-55FF2E4E8015}" type="slidenum">
+              <a:rPr lang="de-DE" smtClean="0"/>
+              <a:pPr>
+                <a:defRPr/>
+              </a:pPr>
+              <a:t>11</a:t>
+            </a:fld>
+            <a:endParaRPr lang="de-DE"/>
           </a:p>
         </p:txBody>
       </p:sp>
     </p:spTree>
     <p:extLst>
       <p:ext uri="{BB962C8B-B14F-4D97-AF65-F5344CB8AC3E}">
-        <p14:creationId xmlns:p14="http://schemas.microsoft.com/office/powerpoint/2010/main" val="3913694687"/>
+        <p14:creationId xmlns:p14="http://schemas.microsoft.com/office/powerpoint/2010/main" val="592048964"/>
       </p:ext>
     </p:extLst>
   </p:cSld>
@@ -1380,7 +1425,7 @@
       </p:grpSpPr>
       <p:sp>
         <p:nvSpPr>
-          <p:cNvPr id="16386" name="Rectangle 2"/>
+          <p:cNvPr id="8194" name="Rectangle 2"/>
           <p:cNvSpPr>
             <a:spLocks noGrp="1" noRot="1" noChangeAspect="1" noChangeArrowheads="1" noTextEdit="1"/>
           </p:cNvSpPr>
@@ -1400,7 +1445,7 @@
           </a:ln>
           <a:extLst>
             <a:ext uri="{909E8E84-426E-40dd-AFC4-6F175D3DCCD1}">
-              <a14:hiddenFill xmlns="" xmlns:a14="http://schemas.microsoft.com/office/drawing/2010/main">
+              <a14:hiddenFill xmlns:a14="http://schemas.microsoft.com/office/drawing/2010/main" xmlns="">
                 <a:solidFill>
                   <a:srgbClr val="FFFFFF"/>
                 </a:solidFill>
@@ -1411,7 +1456,7 @@
       </p:sp>
       <p:sp>
         <p:nvSpPr>
-          <p:cNvPr id="16387" name="Rectangle 3"/>
+          <p:cNvPr id="8195" name="Rectangle 3"/>
           <p:cNvSpPr>
             <a:spLocks noGrp="1" noChangeArrowheads="1"/>
           </p:cNvSpPr>
@@ -1423,14 +1468,14 @@
           <a:noFill/>
           <a:extLst>
             <a:ext uri="{909E8E84-426E-40dd-AFC4-6F175D3DCCD1}">
-              <a14:hiddenFill xmlns="" xmlns:a14="http://schemas.microsoft.com/office/drawing/2010/main">
+              <a14:hiddenFill xmlns:a14="http://schemas.microsoft.com/office/drawing/2010/main" xmlns="">
                 <a:solidFill>
                   <a:srgbClr val="FFFFFF"/>
                 </a:solidFill>
               </a14:hiddenFill>
             </a:ext>
             <a:ext uri="{91240B29-F687-4f45-9708-019B960494DF}">
-              <a14:hiddenLine xmlns="" xmlns:a14="http://schemas.microsoft.com/office/drawing/2010/main" w="9525">
+              <a14:hiddenLine xmlns:a14="http://schemas.microsoft.com/office/drawing/2010/main" xmlns="" w="9525">
                 <a:solidFill>
                   <a:srgbClr val="000000"/>
                 </a:solidFill>
@@ -1446,14 +1491,14 @@
           <a:lstStyle/>
           <a:p>
             <a:pPr eaLnBrk="1" hangingPunct="1"/>
-            <a:endParaRPr lang="de-DE" dirty="0" smtClean="0"/>
+            <a:endParaRPr lang="en-US" dirty="0" smtClean="0"/>
           </a:p>
         </p:txBody>
       </p:sp>
     </p:spTree>
     <p:extLst>
       <p:ext uri="{BB962C8B-B14F-4D97-AF65-F5344CB8AC3E}">
-        <p14:creationId xmlns:p14="http://schemas.microsoft.com/office/powerpoint/2010/main" val="4030816810"/>
+        <p14:creationId xmlns:p14="http://schemas.microsoft.com/office/powerpoint/2010/main" val="3913694687"/>
       </p:ext>
     </p:extLst>
   </p:cSld>
@@ -1482,6 +1527,108 @@
       </p:grpSpPr>
       <p:sp>
         <p:nvSpPr>
+          <p:cNvPr id="16386" name="Rectangle 2"/>
+          <p:cNvSpPr>
+            <a:spLocks noGrp="1" noRot="1" noChangeAspect="1" noChangeArrowheads="1" noTextEdit="1"/>
+          </p:cNvSpPr>
+          <p:nvPr>
+            <p:ph type="sldImg"/>
+          </p:nvPr>
+        </p:nvSpPr>
+        <p:spPr bwMode="auto">
+          <a:noFill/>
+          <a:ln>
+            <a:solidFill>
+              <a:srgbClr val="000000"/>
+            </a:solidFill>
+            <a:miter lim="800000"/>
+            <a:headEnd/>
+            <a:tailEnd/>
+          </a:ln>
+          <a:extLst>
+            <a:ext uri="{909E8E84-426E-40dd-AFC4-6F175D3DCCD1}">
+              <a14:hiddenFill xmlns:a14="http://schemas.microsoft.com/office/drawing/2010/main" xmlns="">
+                <a:solidFill>
+                  <a:srgbClr val="FFFFFF"/>
+                </a:solidFill>
+              </a14:hiddenFill>
+            </a:ext>
+          </a:extLst>
+        </p:spPr>
+      </p:sp>
+      <p:sp>
+        <p:nvSpPr>
+          <p:cNvPr id="16387" name="Rectangle 3"/>
+          <p:cNvSpPr>
+            <a:spLocks noGrp="1" noChangeArrowheads="1"/>
+          </p:cNvSpPr>
+          <p:nvPr>
+            <p:ph type="body" idx="1"/>
+          </p:nvPr>
+        </p:nvSpPr>
+        <p:spPr bwMode="auto">
+          <a:noFill/>
+          <a:extLst>
+            <a:ext uri="{909E8E84-426E-40dd-AFC4-6F175D3DCCD1}">
+              <a14:hiddenFill xmlns:a14="http://schemas.microsoft.com/office/drawing/2010/main" xmlns="">
+                <a:solidFill>
+                  <a:srgbClr val="FFFFFF"/>
+                </a:solidFill>
+              </a14:hiddenFill>
+            </a:ext>
+            <a:ext uri="{91240B29-F687-4f45-9708-019B960494DF}">
+              <a14:hiddenLine xmlns:a14="http://schemas.microsoft.com/office/drawing/2010/main" xmlns="" w="9525">
+                <a:solidFill>
+                  <a:srgbClr val="000000"/>
+                </a:solidFill>
+                <a:miter lim="800000"/>
+                <a:headEnd/>
+                <a:tailEnd/>
+              </a14:hiddenLine>
+            </a:ext>
+          </a:extLst>
+        </p:spPr>
+        <p:txBody>
+          <a:bodyPr/>
+          <a:lstStyle/>
+          <a:p>
+            <a:pPr eaLnBrk="1" hangingPunct="1"/>
+            <a:endParaRPr lang="de-DE" dirty="0" smtClean="0"/>
+          </a:p>
+        </p:txBody>
+      </p:sp>
+    </p:spTree>
+    <p:extLst>
+      <p:ext uri="{BB962C8B-B14F-4D97-AF65-F5344CB8AC3E}">
+        <p14:creationId xmlns:p14="http://schemas.microsoft.com/office/powerpoint/2010/main" val="4030816810"/>
+      </p:ext>
+    </p:extLst>
+  </p:cSld>
+  <p:clrMapOvr>
+    <a:masterClrMapping/>
+  </p:clrMapOvr>
+</p:notes>
+</file>
+
+<file path=ppt/notesSlides/notesSlide15.xml><?xml version="1.0" encoding="utf-8"?>
+<p:notes xmlns:a="http://schemas.openxmlformats.org/drawingml/2006/main" xmlns:r="http://schemas.openxmlformats.org/officeDocument/2006/relationships" xmlns:p="http://schemas.openxmlformats.org/presentationml/2006/main">
+  <p:cSld>
+    <p:spTree>
+      <p:nvGrpSpPr>
+        <p:cNvPr id="1" name=""/>
+        <p:cNvGrpSpPr/>
+        <p:nvPr/>
+      </p:nvGrpSpPr>
+      <p:grpSpPr>
+        <a:xfrm>
+          <a:off x="0" y="0"/>
+          <a:ext cx="0" cy="0"/>
+          <a:chOff x="0" y="0"/>
+          <a:chExt cx="0" cy="0"/>
+        </a:xfrm>
+      </p:grpSpPr>
+      <p:sp>
+        <p:nvSpPr>
           <p:cNvPr id="2" name="Folienbildplatzhalter 1"/>
           <p:cNvSpPr>
             <a:spLocks noGrp="1" noRot="1" noChangeAspect="1"/>
@@ -1534,7 +1681,7 @@
               <a:pPr>
                 <a:defRPr/>
               </a:pPr>
-              <a:t>19</a:t>
+              <a:t>20</a:t>
             </a:fld>
             <a:endParaRPr lang="de-DE"/>
           </a:p>
@@ -1592,7 +1739,7 @@
           </a:ln>
           <a:extLst>
             <a:ext uri="{909E8E84-426E-40dd-AFC4-6F175D3DCCD1}">
-              <a14:hiddenFill xmlns="" xmlns:a14="http://schemas.microsoft.com/office/drawing/2010/main">
+              <a14:hiddenFill xmlns:a14="http://schemas.microsoft.com/office/drawing/2010/main" xmlns="">
                 <a:solidFill>
                   <a:srgbClr val="FFFFFF"/>
                 </a:solidFill>
@@ -1615,14 +1762,14 @@
           <a:noFill/>
           <a:extLst>
             <a:ext uri="{909E8E84-426E-40dd-AFC4-6F175D3DCCD1}">
-              <a14:hiddenFill xmlns="" xmlns:a14="http://schemas.microsoft.com/office/drawing/2010/main">
+              <a14:hiddenFill xmlns:a14="http://schemas.microsoft.com/office/drawing/2010/main" xmlns="">
                 <a:solidFill>
                   <a:srgbClr val="FFFFFF"/>
                 </a:solidFill>
               </a14:hiddenFill>
             </a:ext>
             <a:ext uri="{91240B29-F687-4f45-9708-019B960494DF}">
-              <a14:hiddenLine xmlns="" xmlns:a14="http://schemas.microsoft.com/office/drawing/2010/main" w="9525">
+              <a14:hiddenLine xmlns:a14="http://schemas.microsoft.com/office/drawing/2010/main" xmlns="" w="9525">
                 <a:solidFill>
                   <a:srgbClr val="000000"/>
                 </a:solidFill>
@@ -1694,7 +1841,7 @@
           </a:ln>
           <a:extLst>
             <a:ext uri="{909E8E84-426E-40dd-AFC4-6F175D3DCCD1}">
-              <a14:hiddenFill xmlns="" xmlns:a14="http://schemas.microsoft.com/office/drawing/2010/main">
+              <a14:hiddenFill xmlns:a14="http://schemas.microsoft.com/office/drawing/2010/main" xmlns="">
                 <a:solidFill>
                   <a:srgbClr val="FFFFFF"/>
                 </a:solidFill>
@@ -1717,14 +1864,14 @@
           <a:noFill/>
           <a:extLst>
             <a:ext uri="{909E8E84-426E-40dd-AFC4-6F175D3DCCD1}">
-              <a14:hiddenFill xmlns="" xmlns:a14="http://schemas.microsoft.com/office/drawing/2010/main">
+              <a14:hiddenFill xmlns:a14="http://schemas.microsoft.com/office/drawing/2010/main" xmlns="">
                 <a:solidFill>
                   <a:srgbClr val="FFFFFF"/>
                 </a:solidFill>
               </a14:hiddenFill>
             </a:ext>
             <a:ext uri="{91240B29-F687-4f45-9708-019B960494DF}">
-              <a14:hiddenLine xmlns="" xmlns:a14="http://schemas.microsoft.com/office/drawing/2010/main" w="9525">
+              <a14:hiddenLine xmlns:a14="http://schemas.microsoft.com/office/drawing/2010/main" xmlns="" w="9525">
                 <a:solidFill>
                   <a:srgbClr val="000000"/>
                 </a:solidFill>
@@ -2670,7 +2817,7 @@
     </p:spTree>
     <p:extLst>
       <p:ext uri="{BB962C8B-B14F-4D97-AF65-F5344CB8AC3E}">
-        <p14:creationId xmlns:p14="http://schemas.microsoft.com/office/powerpoint/2010/main" val="1879777721"/>
+        <p14:creationId xmlns:p14="http://schemas.microsoft.com/office/powerpoint/2010/main" val="3741955013"/>
       </p:ext>
     </p:extLst>
   </p:cSld>
@@ -2816,7 +2963,7 @@
     </p:spTree>
     <p:extLst>
       <p:ext uri="{BB962C8B-B14F-4D97-AF65-F5344CB8AC3E}">
-        <p14:creationId xmlns:p14="http://schemas.microsoft.com/office/powerpoint/2010/main" val="2826362771"/>
+        <p14:creationId xmlns:p14="http://schemas.microsoft.com/office/powerpoint/2010/main" val="669508969"/>
       </p:ext>
     </p:extLst>
   </p:cSld>
@@ -2878,14 +3025,14 @@
           </a:ln>
           <a:extLst>
             <a:ext uri="{909E8E84-426E-40dd-AFC4-6F175D3DCCD1}">
-              <a14:hiddenFill xmlns="" xmlns:a14="http://schemas.microsoft.com/office/drawing/2010/main">
+              <a14:hiddenFill xmlns:a14="http://schemas.microsoft.com/office/drawing/2010/main" xmlns="">
                 <a:solidFill>
                   <a:srgbClr val="FFFFFF"/>
                 </a:solidFill>
               </a14:hiddenFill>
             </a:ext>
             <a:ext uri="{91240B29-F687-4f45-9708-019B960494DF}">
-              <a14:hiddenLine xmlns="" xmlns:a14="http://schemas.microsoft.com/office/drawing/2010/main" w="9525">
+              <a14:hiddenLine xmlns:a14="http://schemas.microsoft.com/office/drawing/2010/main" xmlns="" w="9525">
                 <a:solidFill>
                   <a:srgbClr val="000000"/>
                 </a:solidFill>
@@ -5526,14 +5673,14 @@
           </a:ln>
           <a:extLst>
             <a:ext uri="{909E8E84-426E-40dd-AFC4-6F175D3DCCD1}">
-              <a14:hiddenFill xmlns="" xmlns:a14="http://schemas.microsoft.com/office/drawing/2010/main">
+              <a14:hiddenFill xmlns:a14="http://schemas.microsoft.com/office/drawing/2010/main" xmlns="">
                 <a:solidFill>
                   <a:srgbClr val="FFFFFF"/>
                 </a:solidFill>
               </a14:hiddenFill>
             </a:ext>
             <a:ext uri="{91240B29-F687-4f45-9708-019B960494DF}">
-              <a14:hiddenLine xmlns="" xmlns:a14="http://schemas.microsoft.com/office/drawing/2010/main" w="9525">
+              <a14:hiddenLine xmlns:a14="http://schemas.microsoft.com/office/drawing/2010/main" xmlns="" w="9525">
                 <a:solidFill>
                   <a:srgbClr val="000000"/>
                 </a:solidFill>
@@ -5569,14 +5716,14 @@
           </a:ln>
           <a:extLst>
             <a:ext uri="{909E8E84-426E-40dd-AFC4-6F175D3DCCD1}">
-              <a14:hiddenFill xmlns="" xmlns:a14="http://schemas.microsoft.com/office/drawing/2010/main">
+              <a14:hiddenFill xmlns:a14="http://schemas.microsoft.com/office/drawing/2010/main" xmlns="">
                 <a:solidFill>
                   <a:srgbClr val="FFFFFF"/>
                 </a:solidFill>
               </a14:hiddenFill>
             </a:ext>
             <a:ext uri="{91240B29-F687-4f45-9708-019B960494DF}">
-              <a14:hiddenLine xmlns="" xmlns:a14="http://schemas.microsoft.com/office/drawing/2010/main" w="9525">
+              <a14:hiddenLine xmlns:a14="http://schemas.microsoft.com/office/drawing/2010/main" xmlns="" w="9525">
                 <a:solidFill>
                   <a:srgbClr val="000000"/>
                 </a:solidFill>
@@ -5746,14 +5893,14 @@
           </a:ln>
           <a:extLst>
             <a:ext uri="{909E8E84-426E-40dd-AFC4-6F175D3DCCD1}">
-              <a14:hiddenFill xmlns="" xmlns:a14="http://schemas.microsoft.com/office/drawing/2010/main">
+              <a14:hiddenFill xmlns:a14="http://schemas.microsoft.com/office/drawing/2010/main" xmlns="">
                 <a:solidFill>
                   <a:srgbClr val="FFFFFF"/>
                 </a:solidFill>
               </a14:hiddenFill>
             </a:ext>
             <a:ext uri="{91240B29-F687-4f45-9708-019B960494DF}">
-              <a14:hiddenLine xmlns="" xmlns:a14="http://schemas.microsoft.com/office/drawing/2010/main" w="9525">
+              <a14:hiddenLine xmlns:a14="http://schemas.microsoft.com/office/drawing/2010/main" xmlns="" w="9525">
                 <a:solidFill>
                   <a:srgbClr val="000000"/>
                 </a:solidFill>
@@ -6401,7 +6548,7 @@
           <a:effectLst/>
           <a:extLst>
             <a:ext uri="{91240B29-F687-4f45-9708-019B960494DF}">
-              <a14:hiddenLine xmlns="" xmlns:a14="http://schemas.microsoft.com/office/drawing/2010/main" w="9525">
+              <a14:hiddenLine xmlns:a14="http://schemas.microsoft.com/office/drawing/2010/main" xmlns="" w="9525">
                 <a:solidFill>
                   <a:srgbClr val="0066CC"/>
                 </a:solidFill>
@@ -6411,7 +6558,7 @@
               </a14:hiddenLine>
             </a:ext>
             <a:ext uri="{AF507438-7753-43e0-B8FC-AC1667EBCBE1}">
-              <a14:hiddenEffects xmlns="" xmlns:a14="http://schemas.microsoft.com/office/drawing/2010/main">
+              <a14:hiddenEffects xmlns:a14="http://schemas.microsoft.com/office/drawing/2010/main" xmlns="">
                 <a:effectLst>
                   <a:outerShdw dist="35921" dir="2700000" algn="ctr" rotWithShape="0">
                     <a:schemeClr val="bg2"/>
@@ -6804,7 +6951,7 @@
           </p:cNvPicPr>
           <p:nvPr/>
         </p:nvPicPr>
-        <p:blipFill>
+        <p:blipFill rotWithShape="1">
           <a:blip r:embed="rId3">
             <a:extLst>
               <a:ext uri="{28A0092B-C50C-407E-A947-70E740481C1C}">
@@ -6812,14 +6959,13 @@
               </a:ext>
             </a:extLst>
           </a:blip>
-          <a:stretch>
-            <a:fillRect/>
-          </a:stretch>
+          <a:srcRect l="21443" t="12088" r="21216" b="10552"/>
+          <a:stretch/>
         </p:blipFill>
         <p:spPr>
           <a:xfrm>
-            <a:off x="0" y="1431686"/>
-            <a:ext cx="5370795" cy="3107043"/>
+            <a:off x="617690" y="3713036"/>
+            <a:ext cx="3234230" cy="2524277"/>
           </a:xfrm>
           <a:prstGeom prst="rect">
             <a:avLst/>
@@ -6834,7 +6980,7 @@
           </p:cNvPicPr>
           <p:nvPr/>
         </p:nvPicPr>
-        <p:blipFill>
+        <p:blipFill rotWithShape="1">
           <a:blip r:embed="rId4">
             <a:extLst>
               <a:ext uri="{28A0092B-C50C-407E-A947-70E740481C1C}">
@@ -6842,14 +6988,42 @@
               </a:ext>
             </a:extLst>
           </a:blip>
-          <a:stretch>
-            <a:fillRect/>
-          </a:stretch>
+          <a:srcRect l="22805" t="11712" r="18372" b="4401"/>
+          <a:stretch/>
         </p:blipFill>
         <p:spPr>
           <a:xfrm>
-            <a:off x="4427984" y="2924944"/>
-            <a:ext cx="4572001" cy="2644934"/>
+            <a:off x="4745387" y="2996952"/>
+            <a:ext cx="3384376" cy="2792110"/>
+          </a:xfrm>
+          <a:prstGeom prst="rect">
+            <a:avLst/>
+          </a:prstGeom>
+        </p:spPr>
+      </p:pic>
+      <p:pic>
+        <p:nvPicPr>
+          <p:cNvPr id="7" name="Grafik 6"/>
+          <p:cNvPicPr>
+            <a:picLocks noChangeAspect="1"/>
+          </p:cNvPicPr>
+          <p:nvPr/>
+        </p:nvPicPr>
+        <p:blipFill rotWithShape="1">
+          <a:blip r:embed="rId5">
+            <a:extLst>
+              <a:ext uri="{28A0092B-C50C-407E-A947-70E740481C1C}">
+                <a14:useLocalDpi xmlns:a14="http://schemas.microsoft.com/office/drawing/2010/main" val="0"/>
+              </a:ext>
+            </a:extLst>
+          </a:blip>
+          <a:srcRect l="35915" t="30235" r="37211" b="20682"/>
+          <a:stretch/>
+        </p:blipFill>
+        <p:spPr>
+          <a:xfrm>
+            <a:off x="2899531" y="1238496"/>
+            <a:ext cx="1872208" cy="2160240"/>
           </a:xfrm>
           <a:prstGeom prst="rect">
             <a:avLst/>
@@ -6859,7 +7033,7 @@
     </p:spTree>
     <p:extLst>
       <p:ext uri="{BB962C8B-B14F-4D97-AF65-F5344CB8AC3E}">
-        <p14:creationId xmlns:p14="http://schemas.microsoft.com/office/powerpoint/2010/main" val="3425722422"/>
+        <p14:creationId xmlns:p14="http://schemas.microsoft.com/office/powerpoint/2010/main" val="2663121936"/>
       </p:ext>
     </p:extLst>
   </p:cSld>
@@ -6903,11 +7077,7 @@
           <a:p>
             <a:r>
               <a:rPr lang="de-DE" dirty="0" smtClean="0"/>
-              <a:t>Ball </a:t>
-            </a:r>
-            <a:r>
-              <a:rPr lang="de-DE" dirty="0" err="1" smtClean="0"/>
-              <a:t>joint</a:t>
+              <a:t>Clip</a:t>
             </a:r>
             <a:endParaRPr lang="en-US" dirty="0"/>
           </a:p>
@@ -7009,7 +7179,7 @@
           </p:cNvPicPr>
           <p:nvPr/>
         </p:nvPicPr>
-        <p:blipFill>
+        <p:blipFill rotWithShape="1">
           <a:blip r:embed="rId3">
             <a:extLst>
               <a:ext uri="{28A0092B-C50C-407E-A947-70E740481C1C}">
@@ -7017,24 +7187,164 @@
               </a:ext>
             </a:extLst>
           </a:blip>
-          <a:stretch>
-            <a:fillRect/>
-          </a:stretch>
+          <a:srcRect l="21443" t="12088" r="21216" b="10552"/>
+          <a:stretch/>
         </p:blipFill>
         <p:spPr>
           <a:xfrm>
-            <a:off x="827585" y="1988840"/>
-            <a:ext cx="7296730" cy="4103412"/>
+            <a:off x="617690" y="3713036"/>
+            <a:ext cx="3234230" cy="2524277"/>
           </a:xfrm>
           <a:prstGeom prst="rect">
             <a:avLst/>
           </a:prstGeom>
         </p:spPr>
       </p:pic>
+      <p:pic>
+        <p:nvPicPr>
+          <p:cNvPr id="3" name="Grafik 2"/>
+          <p:cNvPicPr>
+            <a:picLocks noChangeAspect="1"/>
+          </p:cNvPicPr>
+          <p:nvPr/>
+        </p:nvPicPr>
+        <p:blipFill rotWithShape="1">
+          <a:blip r:embed="rId4">
+            <a:extLst>
+              <a:ext uri="{28A0092B-C50C-407E-A947-70E740481C1C}">
+                <a14:useLocalDpi xmlns:a14="http://schemas.microsoft.com/office/drawing/2010/main" val="0"/>
+              </a:ext>
+            </a:extLst>
+          </a:blip>
+          <a:srcRect l="22805" t="11712" r="18372" b="4401"/>
+          <a:stretch/>
+        </p:blipFill>
+        <p:spPr>
+          <a:xfrm>
+            <a:off x="4745387" y="2996952"/>
+            <a:ext cx="3384376" cy="2792110"/>
+          </a:xfrm>
+          <a:prstGeom prst="rect">
+            <a:avLst/>
+          </a:prstGeom>
+        </p:spPr>
+      </p:pic>
+      <p:pic>
+        <p:nvPicPr>
+          <p:cNvPr id="7" name="Grafik 6"/>
+          <p:cNvPicPr>
+            <a:picLocks noChangeAspect="1"/>
+          </p:cNvPicPr>
+          <p:nvPr/>
+        </p:nvPicPr>
+        <p:blipFill rotWithShape="1">
+          <a:blip r:embed="rId5">
+            <a:extLst>
+              <a:ext uri="{28A0092B-C50C-407E-A947-70E740481C1C}">
+                <a14:useLocalDpi xmlns:a14="http://schemas.microsoft.com/office/drawing/2010/main" val="0"/>
+              </a:ext>
+            </a:extLst>
+          </a:blip>
+          <a:srcRect l="35915" t="30235" r="37211" b="20682"/>
+          <a:stretch/>
+        </p:blipFill>
+        <p:spPr>
+          <a:xfrm>
+            <a:off x="2899531" y="1238496"/>
+            <a:ext cx="1872208" cy="2160240"/>
+          </a:xfrm>
+          <a:prstGeom prst="rect">
+            <a:avLst/>
+          </a:prstGeom>
+        </p:spPr>
+      </p:pic>
+      <p:pic>
+        <p:nvPicPr>
+          <p:cNvPr id="9" name="Picture 2" descr="http://www.anz-verlag.de/shop/assets_c/2013/08/brille-gelenk-gestell-1-thumb-520xauto-1386.jpg"/>
+          <p:cNvPicPr>
+            <a:picLocks noChangeAspect="1" noChangeArrowheads="1"/>
+          </p:cNvPicPr>
+          <p:nvPr/>
+        </p:nvPicPr>
+        <p:blipFill rotWithShape="1">
+          <a:blip r:embed="rId6">
+            <a:extLst>
+              <a:ext uri="{28A0092B-C50C-407E-A947-70E740481C1C}">
+                <a14:useLocalDpi xmlns:a14="http://schemas.microsoft.com/office/drawing/2010/main" val="0"/>
+              </a:ext>
+            </a:extLst>
+          </a:blip>
+          <a:srcRect l="18901" t="15294" r="56385" b="43192"/>
+          <a:stretch/>
+        </p:blipFill>
+        <p:spPr bwMode="auto">
+          <a:xfrm>
+            <a:off x="7308304" y="1382514"/>
+            <a:ext cx="1524428" cy="1703774"/>
+          </a:xfrm>
+          <a:prstGeom prst="rect">
+            <a:avLst/>
+          </a:prstGeom>
+          <a:noFill/>
+          <a:extLst>
+            <a:ext uri="{909E8E84-426E-40DD-AFC4-6F175D3DCCD1}">
+              <a14:hiddenFill xmlns:a14="http://schemas.microsoft.com/office/drawing/2010/main">
+                <a:solidFill>
+                  <a:srgbClr val="FFFFFF"/>
+                </a:solidFill>
+              </a14:hiddenFill>
+            </a:ext>
+          </a:extLst>
+        </p:spPr>
+      </p:pic>
+      <p:sp>
+        <p:nvSpPr>
+          <p:cNvPr id="11" name="Rechteck 10"/>
+          <p:cNvSpPr/>
+          <p:nvPr/>
+        </p:nvSpPr>
+        <p:spPr>
+          <a:xfrm>
+            <a:off x="7164288" y="3129009"/>
+            <a:ext cx="1979712" cy="338554"/>
+          </a:xfrm>
+          <a:prstGeom prst="rect">
+            <a:avLst/>
+          </a:prstGeom>
+        </p:spPr>
+        <p:txBody>
+          <a:bodyPr wrap="square">
+            <a:spAutoFit/>
+          </a:bodyPr>
+          <a:lstStyle/>
+          <a:p>
+            <a:pPr eaLnBrk="1" hangingPunct="1">
+              <a:defRPr/>
+            </a:pPr>
+            <a:r>
+              <a:rPr lang="de-DE" sz="1600" dirty="0" smtClean="0">
+                <a:solidFill>
+                  <a:schemeClr val="bg1">
+                    <a:lumMod val="75000"/>
+                  </a:schemeClr>
+                </a:solidFill>
+              </a:rPr>
+              <a:t>www.anz-verlag.de</a:t>
+            </a:r>
+            <a:endParaRPr lang="de-DE" sz="1600" dirty="0">
+              <a:solidFill>
+                <a:schemeClr val="bg1">
+                  <a:lumMod val="75000"/>
+                </a:schemeClr>
+              </a:solidFill>
+            </a:endParaRPr>
+          </a:p>
+        </p:txBody>
+      </p:sp>
     </p:spTree>
     <p:extLst>
       <p:ext uri="{BB962C8B-B14F-4D97-AF65-F5344CB8AC3E}">
-        <p14:creationId xmlns:p14="http://schemas.microsoft.com/office/powerpoint/2010/main" val="2077857018"/>
+        <p14:creationId xmlns:p14="http://schemas.microsoft.com/office/powerpoint/2010/main" val="988968148"/>
       </p:ext>
     </p:extLst>
   </p:cSld>
@@ -7077,6 +7387,234 @@
           <a:lstStyle/>
           <a:p>
             <a:r>
+              <a:rPr lang="de-DE" dirty="0" smtClean="0"/>
+              <a:t>Ball Joint</a:t>
+            </a:r>
+            <a:endParaRPr lang="en-US" dirty="0"/>
+          </a:p>
+        </p:txBody>
+      </p:sp>
+      <p:sp>
+        <p:nvSpPr>
+          <p:cNvPr id="4" name="Fußzeilenplatzhalter 3"/>
+          <p:cNvSpPr>
+            <a:spLocks noGrp="1"/>
+          </p:cNvSpPr>
+          <p:nvPr>
+            <p:ph type="ftr" sz="quarter" idx="11"/>
+          </p:nvPr>
+        </p:nvSpPr>
+        <p:spPr/>
+        <p:txBody>
+          <a:bodyPr/>
+          <a:lstStyle/>
+          <a:p>
+            <a:pPr>
+              <a:defRPr/>
+            </a:pPr>
+            <a:r>
+              <a:rPr lang="de-DE" dirty="0" err="1"/>
+              <a:t>eyeDrops</a:t>
+            </a:r>
+            <a:endParaRPr lang="de-DE" dirty="0"/>
+          </a:p>
+        </p:txBody>
+      </p:sp>
+      <p:sp>
+        <p:nvSpPr>
+          <p:cNvPr id="5" name="Foliennummernplatzhalter 4"/>
+          <p:cNvSpPr>
+            <a:spLocks noGrp="1"/>
+          </p:cNvSpPr>
+          <p:nvPr>
+            <p:ph type="sldNum" sz="quarter" idx="4"/>
+          </p:nvPr>
+        </p:nvSpPr>
+        <p:spPr/>
+        <p:txBody>
+          <a:bodyPr/>
+          <a:lstStyle/>
+          <a:p>
+            <a:fld id="{0F6A6B0B-0B8E-354C-ADC8-BFD8471E8A46}" type="slidenum">
+              <a:rPr lang="en-US" smtClean="0"/>
+              <a:t>11</a:t>
+            </a:fld>
+            <a:endParaRPr lang="en-US" dirty="0"/>
+          </a:p>
+        </p:txBody>
+      </p:sp>
+      <p:sp>
+        <p:nvSpPr>
+          <p:cNvPr id="6" name="AutoShape 2" descr="https://evomedia.evothings.com/2014/11/rfduino-chip.jpg"/>
+          <p:cNvSpPr>
+            <a:spLocks noChangeAspect="1" noChangeArrowheads="1"/>
+          </p:cNvSpPr>
+          <p:nvPr/>
+        </p:nvSpPr>
+        <p:spPr bwMode="auto">
+          <a:xfrm>
+            <a:off x="155575" y="-144463"/>
+            <a:ext cx="304800" cy="304801"/>
+          </a:xfrm>
+          <a:prstGeom prst="rect">
+            <a:avLst/>
+          </a:prstGeom>
+          <a:noFill/>
+          <a:extLst>
+            <a:ext uri="{909E8E84-426E-40DD-AFC4-6F175D3DCCD1}">
+              <a14:hiddenFill xmlns:a14="http://schemas.microsoft.com/office/drawing/2010/main">
+                <a:solidFill>
+                  <a:srgbClr val="FFFFFF"/>
+                </a:solidFill>
+              </a14:hiddenFill>
+            </a:ext>
+          </a:extLst>
+        </p:spPr>
+        <p:txBody>
+          <a:bodyPr vert="horz" wrap="square" lIns="91440" tIns="45720" rIns="91440" bIns="45720" numCol="1" anchor="t" anchorCtr="0" compatLnSpc="1">
+            <a:prstTxWarp prst="textNoShape">
+              <a:avLst/>
+            </a:prstTxWarp>
+          </a:bodyPr>
+          <a:lstStyle/>
+          <a:p>
+            <a:endParaRPr lang="en-US"/>
+          </a:p>
+        </p:txBody>
+      </p:sp>
+      <p:pic>
+        <p:nvPicPr>
+          <p:cNvPr id="3" name="Grafik 2"/>
+          <p:cNvPicPr>
+            <a:picLocks noChangeAspect="1"/>
+          </p:cNvPicPr>
+          <p:nvPr/>
+        </p:nvPicPr>
+        <p:blipFill rotWithShape="1">
+          <a:blip r:embed="rId3">
+            <a:extLst>
+              <a:ext uri="{28A0092B-C50C-407E-A947-70E740481C1C}">
+                <a14:useLocalDpi xmlns:a14="http://schemas.microsoft.com/office/drawing/2010/main" val="0"/>
+              </a:ext>
+            </a:extLst>
+          </a:blip>
+          <a:srcRect l="28805" t="26035" r="27841" b="24773"/>
+          <a:stretch/>
+        </p:blipFill>
+        <p:spPr>
+          <a:xfrm>
+            <a:off x="26352" y="3613761"/>
+            <a:ext cx="2908016" cy="2520280"/>
+          </a:xfrm>
+          <a:prstGeom prst="rect">
+            <a:avLst/>
+          </a:prstGeom>
+        </p:spPr>
+      </p:pic>
+      <p:pic>
+        <p:nvPicPr>
+          <p:cNvPr id="7" name="Grafik 6"/>
+          <p:cNvPicPr>
+            <a:picLocks noChangeAspect="1"/>
+          </p:cNvPicPr>
+          <p:nvPr/>
+        </p:nvPicPr>
+        <p:blipFill rotWithShape="1">
+          <a:blip r:embed="rId4">
+            <a:extLst>
+              <a:ext uri="{28A0092B-C50C-407E-A947-70E740481C1C}">
+                <a14:useLocalDpi xmlns:a14="http://schemas.microsoft.com/office/drawing/2010/main" val="0"/>
+              </a:ext>
+            </a:extLst>
+          </a:blip>
+          <a:srcRect l="26154" t="24774" r="20398" b="7116"/>
+          <a:stretch/>
+        </p:blipFill>
+        <p:spPr>
+          <a:xfrm>
+            <a:off x="1719570" y="1337303"/>
+            <a:ext cx="2774826" cy="2305240"/>
+          </a:xfrm>
+          <a:prstGeom prst="rect">
+            <a:avLst/>
+          </a:prstGeom>
+        </p:spPr>
+      </p:pic>
+      <p:pic>
+        <p:nvPicPr>
+          <p:cNvPr id="8" name="Grafik 7"/>
+          <p:cNvPicPr>
+            <a:picLocks noChangeAspect="1"/>
+          </p:cNvPicPr>
+          <p:nvPr/>
+        </p:nvPicPr>
+        <p:blipFill rotWithShape="1">
+          <a:blip r:embed="rId5">
+            <a:extLst>
+              <a:ext uri="{28A0092B-C50C-407E-A947-70E740481C1C}">
+                <a14:useLocalDpi xmlns:a14="http://schemas.microsoft.com/office/drawing/2010/main" val="0"/>
+              </a:ext>
+            </a:extLst>
+          </a:blip>
+          <a:srcRect l="28738" t="20151" r="30312" b="14960"/>
+          <a:stretch/>
+        </p:blipFill>
+        <p:spPr>
+          <a:xfrm>
+            <a:off x="4427984" y="2489923"/>
+            <a:ext cx="3744416" cy="3600401"/>
+          </a:xfrm>
+          <a:prstGeom prst="rect">
+            <a:avLst/>
+          </a:prstGeom>
+        </p:spPr>
+      </p:pic>
+    </p:spTree>
+    <p:extLst>
+      <p:ext uri="{BB962C8B-B14F-4D97-AF65-F5344CB8AC3E}">
+        <p14:creationId xmlns:p14="http://schemas.microsoft.com/office/powerpoint/2010/main" val="3919926092"/>
+      </p:ext>
+    </p:extLst>
+  </p:cSld>
+  <p:clrMapOvr>
+    <a:masterClrMapping/>
+  </p:clrMapOvr>
+</p:sld>
+</file>
+
+<file path=ppt/slides/slide13.xml><?xml version="1.0" encoding="utf-8"?>
+<p:sld xmlns:a="http://schemas.openxmlformats.org/drawingml/2006/main" xmlns:r="http://schemas.openxmlformats.org/officeDocument/2006/relationships" xmlns:p="http://schemas.openxmlformats.org/presentationml/2006/main">
+  <p:cSld>
+    <p:spTree>
+      <p:nvGrpSpPr>
+        <p:cNvPr id="1" name=""/>
+        <p:cNvGrpSpPr/>
+        <p:nvPr/>
+      </p:nvGrpSpPr>
+      <p:grpSpPr>
+        <a:xfrm>
+          <a:off x="0" y="0"/>
+          <a:ext cx="0" cy="0"/>
+          <a:chOff x="0" y="0"/>
+          <a:chExt cx="0" cy="0"/>
+        </a:xfrm>
+      </p:grpSpPr>
+      <p:sp>
+        <p:nvSpPr>
+          <p:cNvPr id="2" name="Titel 1"/>
+          <p:cNvSpPr>
+            <a:spLocks noGrp="1"/>
+          </p:cNvSpPr>
+          <p:nvPr>
+            <p:ph type="title"/>
+          </p:nvPr>
+        </p:nvSpPr>
+        <p:spPr/>
+        <p:txBody>
+          <a:bodyPr/>
+          <a:lstStyle/>
+          <a:p>
+            <a:r>
               <a:rPr lang="de-DE" dirty="0" err="1" smtClean="0"/>
               <a:t>Blurry</a:t>
             </a:r>
@@ -7120,11 +7658,7 @@
             </a:r>
             <a:r>
               <a:rPr lang="de-DE" dirty="0" err="1" smtClean="0"/>
-              <a:t>t</a:t>
-            </a:r>
-            <a:r>
-              <a:rPr lang="de-DE" dirty="0" err="1" smtClean="0"/>
-              <a:t>rial</a:t>
+              <a:t>trial</a:t>
             </a:r>
             <a:r>
               <a:rPr lang="de-DE" dirty="0" smtClean="0"/>
@@ -7261,7 +7795,7 @@
           <a:p>
             <a:fld id="{0F6A6B0B-0B8E-354C-ADC8-BFD8471E8A46}" type="slidenum">
               <a:rPr lang="en-US" smtClean="0"/>
-              <a:t>11</a:t>
+              <a:t>12</a:t>
             </a:fld>
             <a:endParaRPr lang="en-US" dirty="0"/>
           </a:p>
@@ -7287,7 +7821,7 @@
 </p:sld>
 </file>
 
-<file path=ppt/slides/slide13.xml><?xml version="1.0" encoding="utf-8"?>
+<file path=ppt/slides/slide14.xml><?xml version="1.0" encoding="utf-8"?>
 <p:sld xmlns:a="http://schemas.openxmlformats.org/drawingml/2006/main" xmlns:r="http://schemas.openxmlformats.org/officeDocument/2006/relationships" xmlns:p="http://schemas.openxmlformats.org/presentationml/2006/main">
   <p:cSld>
     <p:spTree>
@@ -7378,7 +7912,7 @@
           <a:p>
             <a:fld id="{0F6A6B0B-0B8E-354C-ADC8-BFD8471E8A46}" type="slidenum">
               <a:rPr lang="en-US" smtClean="0"/>
-              <a:t>12</a:t>
+              <a:t>13</a:t>
             </a:fld>
             <a:endParaRPr lang="en-US" dirty="0"/>
           </a:p>
@@ -7432,7 +7966,7 @@
 </p:sld>
 </file>
 
-<file path=ppt/slides/slide14.xml><?xml version="1.0" encoding="utf-8"?>
+<file path=ppt/slides/slide15.xml><?xml version="1.0" encoding="utf-8"?>
 <p:sld xmlns:a="http://schemas.openxmlformats.org/drawingml/2006/main" xmlns:r="http://schemas.openxmlformats.org/officeDocument/2006/relationships" xmlns:p="http://schemas.openxmlformats.org/presentationml/2006/main">
   <p:cSld>
     <p:spTree>
@@ -7523,7 +8057,7 @@
           <a:p>
             <a:fld id="{0F6A6B0B-0B8E-354C-ADC8-BFD8471E8A46}" type="slidenum">
               <a:rPr lang="en-US" smtClean="0"/>
-              <a:t>13</a:t>
+              <a:t>14</a:t>
             </a:fld>
             <a:endParaRPr lang="en-US" dirty="0"/>
           </a:p>
@@ -7578,7 +8112,7 @@
 </p:sld>
 </file>
 
-<file path=ppt/slides/slide15.xml><?xml version="1.0" encoding="utf-8"?>
+<file path=ppt/slides/slide16.xml><?xml version="1.0" encoding="utf-8"?>
 <p:sld xmlns:a="http://schemas.openxmlformats.org/drawingml/2006/main" xmlns:r="http://schemas.openxmlformats.org/officeDocument/2006/relationships" xmlns:p="http://schemas.openxmlformats.org/presentationml/2006/main">
   <p:cSld>
     <p:spTree>
@@ -7620,11 +8154,7 @@
             </a:r>
             <a:r>
               <a:rPr lang="de-DE" dirty="0" smtClean="0"/>
-              <a:t> </a:t>
-            </a:r>
-            <a:r>
-              <a:rPr lang="de-DE" dirty="0" smtClean="0"/>
-              <a:t>VCNL4020 – </a:t>
+              <a:t> VCNL4020 – </a:t>
             </a:r>
             <a:r>
               <a:rPr lang="de-DE" dirty="0" err="1" smtClean="0"/>
@@ -7677,7 +8207,7 @@
           <a:p>
             <a:fld id="{0F6A6B0B-0B8E-354C-ADC8-BFD8471E8A46}" type="slidenum">
               <a:rPr lang="en-US" smtClean="0"/>
-              <a:t>14</a:t>
+              <a:t>15</a:t>
             </a:fld>
             <a:endParaRPr lang="en-US" dirty="0"/>
           </a:p>
@@ -7731,7 +8261,7 @@
 </p:sld>
 </file>
 
-<file path=ppt/slides/slide16.xml><?xml version="1.0" encoding="utf-8"?>
+<file path=ppt/slides/slide17.xml><?xml version="1.0" encoding="utf-8"?>
 <p:sld xmlns:a="http://schemas.openxmlformats.org/drawingml/2006/main" xmlns:r="http://schemas.openxmlformats.org/officeDocument/2006/relationships" xmlns:p="http://schemas.openxmlformats.org/presentationml/2006/main">
   <p:cSld>
     <p:spTree>
@@ -7773,11 +8303,7 @@
             </a:r>
             <a:r>
               <a:rPr lang="de-DE" dirty="0" smtClean="0"/>
-              <a:t> </a:t>
-            </a:r>
-            <a:r>
-              <a:rPr lang="de-DE" dirty="0" smtClean="0"/>
-              <a:t>VCNL4020 – </a:t>
+              <a:t> VCNL4020 – </a:t>
             </a:r>
             <a:r>
               <a:rPr lang="de-DE" dirty="0" err="1" smtClean="0"/>
@@ -7834,7 +8360,7 @@
           <a:p>
             <a:fld id="{0F6A6B0B-0B8E-354C-ADC8-BFD8471E8A46}" type="slidenum">
               <a:rPr lang="en-US" smtClean="0"/>
-              <a:t>15</a:t>
+              <a:t>16</a:t>
             </a:fld>
             <a:endParaRPr lang="en-US" dirty="0"/>
           </a:p>
@@ -7889,7 +8415,7 @@
 </p:sld>
 </file>
 
-<file path=ppt/slides/slide17.xml><?xml version="1.0" encoding="utf-8"?>
+<file path=ppt/slides/slide18.xml><?xml version="1.0" encoding="utf-8"?>
 <p:sld xmlns:a="http://schemas.openxmlformats.org/drawingml/2006/main" xmlns:r="http://schemas.openxmlformats.org/officeDocument/2006/relationships" xmlns:p="http://schemas.openxmlformats.org/presentationml/2006/main">
   <p:cSld>
     <p:spTree>
@@ -7985,7 +8511,7 @@
           <a:p>
             <a:fld id="{0F6A6B0B-0B8E-354C-ADC8-BFD8471E8A46}" type="slidenum">
               <a:rPr lang="en-US" smtClean="0"/>
-              <a:t>16</a:t>
+              <a:t>17</a:t>
             </a:fld>
             <a:endParaRPr lang="en-US" dirty="0"/>
           </a:p>
@@ -8069,7 +8595,7 @@
 </p:sld>
 </file>
 
-<file path=ppt/slides/slide18.xml><?xml version="1.0" encoding="utf-8"?>
+<file path=ppt/slides/slide19.xml><?xml version="1.0" encoding="utf-8"?>
 <p:sld xmlns:a="http://schemas.openxmlformats.org/drawingml/2006/main" xmlns:r="http://schemas.openxmlformats.org/officeDocument/2006/relationships" xmlns:p="http://schemas.openxmlformats.org/presentationml/2006/main">
   <p:cSld>
     <p:spTree>
@@ -8156,7 +8682,7 @@
           <a:p>
             <a:fld id="{0F6A6B0B-0B8E-354C-ADC8-BFD8471E8A46}" type="slidenum">
               <a:rPr lang="en-US" smtClean="0"/>
-              <a:t>17</a:t>
+              <a:t>18</a:t>
             </a:fld>
             <a:endParaRPr lang="en-US" dirty="0"/>
           </a:p>
@@ -8192,413 +8718,6 @@
     <p:extLst>
       <p:ext uri="{BB962C8B-B14F-4D97-AF65-F5344CB8AC3E}">
         <p14:creationId xmlns:p14="http://schemas.microsoft.com/office/powerpoint/2010/main" val="3181436238"/>
-      </p:ext>
-    </p:extLst>
-  </p:cSld>
-  <p:clrMapOvr>
-    <a:masterClrMapping/>
-  </p:clrMapOvr>
-  <p:transition/>
-  <p:timing>
-    <p:tnLst>
-      <p:par>
-        <p:cTn id="1" dur="indefinite" restart="never" nodeType="tmRoot"/>
-      </p:par>
-    </p:tnLst>
-  </p:timing>
-</p:sld>
-</file>
-
-<file path=ppt/slides/slide19.xml><?xml version="1.0" encoding="utf-8"?>
-<p:sld xmlns:a="http://schemas.openxmlformats.org/drawingml/2006/main" xmlns:r="http://schemas.openxmlformats.org/officeDocument/2006/relationships" xmlns:p="http://schemas.openxmlformats.org/presentationml/2006/main">
-  <p:cSld>
-    <p:spTree>
-      <p:nvGrpSpPr>
-        <p:cNvPr id="1" name=""/>
-        <p:cNvGrpSpPr/>
-        <p:nvPr/>
-      </p:nvGrpSpPr>
-      <p:grpSpPr>
-        <a:xfrm>
-          <a:off x="0" y="0"/>
-          <a:ext cx="0" cy="0"/>
-          <a:chOff x="0" y="0"/>
-          <a:chExt cx="0" cy="0"/>
-        </a:xfrm>
-      </p:grpSpPr>
-      <p:sp>
-        <p:nvSpPr>
-          <p:cNvPr id="15363" name="Rectangle 2"/>
-          <p:cNvSpPr>
-            <a:spLocks noGrp="1"/>
-          </p:cNvSpPr>
-          <p:nvPr>
-            <p:ph type="title"/>
-          </p:nvPr>
-        </p:nvSpPr>
-        <p:spPr/>
-        <p:txBody>
-          <a:bodyPr/>
-          <a:lstStyle/>
-          <a:p>
-            <a:pPr eaLnBrk="1" hangingPunct="1"/>
-            <a:r>
-              <a:rPr lang="de-DE" dirty="0" smtClean="0"/>
-              <a:t>Summary</a:t>
-            </a:r>
-          </a:p>
-        </p:txBody>
-      </p:sp>
-      <p:sp>
-        <p:nvSpPr>
-          <p:cNvPr id="94211" name="Rectangle 3"/>
-          <p:cNvSpPr>
-            <a:spLocks noGrp="1"/>
-          </p:cNvSpPr>
-          <p:nvPr>
-            <p:ph type="body" idx="1"/>
-          </p:nvPr>
-        </p:nvSpPr>
-        <p:spPr>
-          <a:xfrm>
-            <a:off x="468313" y="1484313"/>
-            <a:ext cx="8135937" cy="4969023"/>
-          </a:xfrm>
-        </p:spPr>
-        <p:txBody>
-          <a:bodyPr/>
-          <a:lstStyle/>
-          <a:p>
-            <a:pPr eaLnBrk="1" hangingPunct="1">
-              <a:lnSpc>
-                <a:spcPct val="120000"/>
-              </a:lnSpc>
-            </a:pPr>
-            <a:r>
-              <a:rPr lang="de-DE" dirty="0" err="1" smtClean="0">
-                <a:solidFill>
-                  <a:srgbClr val="333399"/>
-                </a:solidFill>
-              </a:rPr>
-              <a:t>Wearable</a:t>
-            </a:r>
-            <a:r>
-              <a:rPr lang="de-DE" dirty="0" smtClean="0">
-                <a:solidFill>
-                  <a:srgbClr val="333399"/>
-                </a:solidFill>
-              </a:rPr>
-              <a:t> blink </a:t>
-            </a:r>
-            <a:r>
-              <a:rPr lang="de-DE" dirty="0" err="1" smtClean="0">
-                <a:solidFill>
-                  <a:srgbClr val="333399"/>
-                </a:solidFill>
-              </a:rPr>
-              <a:t>detection</a:t>
-            </a:r>
-            <a:r>
-              <a:rPr lang="de-DE" dirty="0" smtClean="0">
-                <a:solidFill>
-                  <a:srgbClr val="333399"/>
-                </a:solidFill>
-              </a:rPr>
-              <a:t> </a:t>
-            </a:r>
-            <a:r>
-              <a:rPr lang="de-DE" dirty="0" err="1" smtClean="0">
-                <a:solidFill>
-                  <a:srgbClr val="333399"/>
-                </a:solidFill>
-              </a:rPr>
-              <a:t>system</a:t>
-            </a:r>
-            <a:endParaRPr lang="de-DE" dirty="0" smtClean="0">
-              <a:solidFill>
-                <a:srgbClr val="333399"/>
-              </a:solidFill>
-            </a:endParaRPr>
-          </a:p>
-          <a:p>
-            <a:pPr eaLnBrk="1" hangingPunct="1">
-              <a:lnSpc>
-                <a:spcPct val="120000"/>
-              </a:lnSpc>
-            </a:pPr>
-            <a:r>
-              <a:rPr lang="de-DE" dirty="0" err="1" smtClean="0">
-                <a:solidFill>
-                  <a:srgbClr val="333399"/>
-                </a:solidFill>
-              </a:rPr>
-              <a:t>Unconscious</a:t>
-            </a:r>
-            <a:r>
-              <a:rPr lang="de-DE" dirty="0" smtClean="0">
-                <a:solidFill>
-                  <a:srgbClr val="333399"/>
-                </a:solidFill>
-              </a:rPr>
-              <a:t> blink </a:t>
-            </a:r>
-            <a:r>
-              <a:rPr lang="de-DE" dirty="0" err="1" smtClean="0">
-                <a:solidFill>
-                  <a:srgbClr val="333399"/>
-                </a:solidFill>
-              </a:rPr>
-              <a:t>triggering</a:t>
-            </a:r>
-            <a:endParaRPr lang="de-DE" dirty="0" smtClean="0">
-              <a:solidFill>
-                <a:srgbClr val="333399"/>
-              </a:solidFill>
-            </a:endParaRPr>
-          </a:p>
-          <a:p>
-            <a:pPr eaLnBrk="1" hangingPunct="1">
-              <a:lnSpc>
-                <a:spcPct val="120000"/>
-              </a:lnSpc>
-            </a:pPr>
-            <a:r>
-              <a:rPr lang="de-DE" dirty="0" smtClean="0">
-                <a:solidFill>
-                  <a:srgbClr val="333399"/>
-                </a:solidFill>
-              </a:rPr>
-              <a:t>Long </a:t>
-            </a:r>
-            <a:r>
-              <a:rPr lang="de-DE" dirty="0" err="1" smtClean="0">
-                <a:solidFill>
-                  <a:srgbClr val="333399"/>
-                </a:solidFill>
-              </a:rPr>
-              <a:t>term</a:t>
-            </a:r>
-            <a:r>
-              <a:rPr lang="de-DE" dirty="0" smtClean="0">
-                <a:solidFill>
-                  <a:srgbClr val="333399"/>
-                </a:solidFill>
-              </a:rPr>
-              <a:t> </a:t>
-            </a:r>
-            <a:r>
-              <a:rPr lang="de-DE" dirty="0" err="1" smtClean="0">
-                <a:solidFill>
-                  <a:srgbClr val="333399"/>
-                </a:solidFill>
-              </a:rPr>
-              <a:t>protection</a:t>
-            </a:r>
-            <a:r>
-              <a:rPr lang="de-DE" dirty="0" smtClean="0">
-                <a:solidFill>
-                  <a:srgbClr val="333399"/>
-                </a:solidFill>
-              </a:rPr>
-              <a:t> </a:t>
-            </a:r>
-            <a:r>
-              <a:rPr lang="de-DE" dirty="0" err="1" smtClean="0">
-                <a:solidFill>
-                  <a:srgbClr val="333399"/>
-                </a:solidFill>
-              </a:rPr>
-              <a:t>against</a:t>
-            </a:r>
-            <a:r>
-              <a:rPr lang="de-DE" dirty="0" smtClean="0">
-                <a:solidFill>
-                  <a:srgbClr val="333399"/>
-                </a:solidFill>
-              </a:rPr>
-              <a:t> dry </a:t>
-            </a:r>
-            <a:r>
-              <a:rPr lang="de-DE" dirty="0" err="1" smtClean="0">
-                <a:solidFill>
-                  <a:srgbClr val="333399"/>
-                </a:solidFill>
-              </a:rPr>
-              <a:t>eyes</a:t>
-            </a:r>
-            <a:endParaRPr lang="de-DE" dirty="0" smtClean="0">
-              <a:solidFill>
-                <a:srgbClr val="333399"/>
-              </a:solidFill>
-            </a:endParaRPr>
-          </a:p>
-          <a:p>
-            <a:pPr eaLnBrk="1" hangingPunct="1">
-              <a:lnSpc>
-                <a:spcPct val="120000"/>
-              </a:lnSpc>
-            </a:pPr>
-            <a:r>
-              <a:rPr lang="de-DE" dirty="0" err="1" smtClean="0">
-                <a:solidFill>
-                  <a:srgbClr val="333399"/>
-                </a:solidFill>
-              </a:rPr>
-              <a:t>Use</a:t>
-            </a:r>
-            <a:r>
-              <a:rPr lang="de-DE" dirty="0" smtClean="0">
-                <a:solidFill>
-                  <a:srgbClr val="333399"/>
-                </a:solidFill>
-              </a:rPr>
-              <a:t> blink </a:t>
-            </a:r>
-            <a:r>
-              <a:rPr lang="de-DE" dirty="0" err="1" smtClean="0">
-                <a:solidFill>
-                  <a:srgbClr val="333399"/>
-                </a:solidFill>
-              </a:rPr>
-              <a:t>as</a:t>
-            </a:r>
-            <a:r>
-              <a:rPr lang="de-DE" dirty="0" smtClean="0">
-                <a:solidFill>
-                  <a:srgbClr val="333399"/>
-                </a:solidFill>
-              </a:rPr>
-              <a:t> </a:t>
-            </a:r>
-            <a:r>
-              <a:rPr lang="de-DE" dirty="0" err="1" smtClean="0">
-                <a:solidFill>
-                  <a:srgbClr val="333399"/>
-                </a:solidFill>
-              </a:rPr>
-              <a:t>input</a:t>
-            </a:r>
-            <a:r>
-              <a:rPr lang="de-DE" dirty="0" smtClean="0">
-                <a:solidFill>
-                  <a:srgbClr val="333399"/>
-                </a:solidFill>
-              </a:rPr>
-              <a:t> </a:t>
-            </a:r>
-            <a:r>
-              <a:rPr lang="de-DE" dirty="0" err="1" smtClean="0">
-                <a:solidFill>
-                  <a:srgbClr val="333399"/>
-                </a:solidFill>
-              </a:rPr>
-              <a:t>for</a:t>
-            </a:r>
-            <a:r>
-              <a:rPr lang="de-DE" dirty="0" smtClean="0">
-                <a:solidFill>
-                  <a:srgbClr val="333399"/>
-                </a:solidFill>
-              </a:rPr>
-              <a:t> </a:t>
-            </a:r>
-            <a:r>
-              <a:rPr lang="de-DE" dirty="0" err="1" smtClean="0">
-                <a:solidFill>
-                  <a:srgbClr val="333399"/>
-                </a:solidFill>
-              </a:rPr>
-              <a:t>various</a:t>
-            </a:r>
-            <a:r>
-              <a:rPr lang="de-DE" dirty="0" smtClean="0">
-                <a:solidFill>
-                  <a:srgbClr val="333399"/>
-                </a:solidFill>
-              </a:rPr>
-              <a:t> </a:t>
-            </a:r>
-            <a:r>
-              <a:rPr lang="de-DE" dirty="0" err="1" smtClean="0">
-                <a:solidFill>
-                  <a:srgbClr val="333399"/>
-                </a:solidFill>
-              </a:rPr>
-              <a:t>applications</a:t>
-            </a:r>
-            <a:endParaRPr lang="de-DE" dirty="0" smtClean="0">
-              <a:solidFill>
-                <a:srgbClr val="333399"/>
-              </a:solidFill>
-            </a:endParaRPr>
-          </a:p>
-          <a:p>
-            <a:pPr eaLnBrk="1" hangingPunct="1">
-              <a:lnSpc>
-                <a:spcPct val="120000"/>
-              </a:lnSpc>
-            </a:pPr>
-            <a:endParaRPr lang="de-DE" dirty="0" smtClean="0"/>
-          </a:p>
-          <a:p>
-            <a:pPr eaLnBrk="1" hangingPunct="1"/>
-            <a:endParaRPr lang="de-DE" dirty="0" smtClean="0"/>
-          </a:p>
-        </p:txBody>
-      </p:sp>
-      <p:sp>
-        <p:nvSpPr>
-          <p:cNvPr id="4" name="Slide Number Placeholder 3"/>
-          <p:cNvSpPr>
-            <a:spLocks noGrp="1"/>
-          </p:cNvSpPr>
-          <p:nvPr>
-            <p:ph type="sldNum" sz="quarter" idx="4"/>
-          </p:nvPr>
-        </p:nvSpPr>
-        <p:spPr/>
-        <p:txBody>
-          <a:bodyPr/>
-          <a:lstStyle/>
-          <a:p>
-            <a:fld id="{0F6A6B0B-0B8E-354C-ADC8-BFD8471E8A46}" type="slidenum">
-              <a:rPr lang="en-US" smtClean="0"/>
-              <a:t>18</a:t>
-            </a:fld>
-            <a:endParaRPr lang="en-US" dirty="0"/>
-          </a:p>
-        </p:txBody>
-      </p:sp>
-      <p:sp>
-        <p:nvSpPr>
-          <p:cNvPr id="6" name="Footer Placeholder 5"/>
-          <p:cNvSpPr>
-            <a:spLocks noGrp="1"/>
-          </p:cNvSpPr>
-          <p:nvPr>
-            <p:ph type="ftr" sz="quarter" idx="11"/>
-          </p:nvPr>
-        </p:nvSpPr>
-        <p:spPr/>
-        <p:txBody>
-          <a:bodyPr/>
-          <a:lstStyle/>
-          <a:p>
-            <a:pPr>
-              <a:defRPr/>
-            </a:pPr>
-            <a:r>
-              <a:rPr lang="de-DE" dirty="0" err="1"/>
-              <a:t>eyeDrops</a:t>
-            </a:r>
-            <a:endParaRPr lang="de-DE" dirty="0"/>
-          </a:p>
-        </p:txBody>
-      </p:sp>
-    </p:spTree>
-    <p:extLst>
-      <p:ext uri="{BB962C8B-B14F-4D97-AF65-F5344CB8AC3E}">
-        <p14:creationId xmlns:p14="http://schemas.microsoft.com/office/powerpoint/2010/main" val="2687285956"/>
       </p:ext>
     </p:extLst>
   </p:cSld>
@@ -8992,6 +9111,413 @@
       </p:grpSpPr>
       <p:sp>
         <p:nvSpPr>
+          <p:cNvPr id="15363" name="Rectangle 2"/>
+          <p:cNvSpPr>
+            <a:spLocks noGrp="1"/>
+          </p:cNvSpPr>
+          <p:nvPr>
+            <p:ph type="title"/>
+          </p:nvPr>
+        </p:nvSpPr>
+        <p:spPr/>
+        <p:txBody>
+          <a:bodyPr/>
+          <a:lstStyle/>
+          <a:p>
+            <a:pPr eaLnBrk="1" hangingPunct="1"/>
+            <a:r>
+              <a:rPr lang="de-DE" dirty="0" smtClean="0"/>
+              <a:t>Summary</a:t>
+            </a:r>
+          </a:p>
+        </p:txBody>
+      </p:sp>
+      <p:sp>
+        <p:nvSpPr>
+          <p:cNvPr id="94211" name="Rectangle 3"/>
+          <p:cNvSpPr>
+            <a:spLocks noGrp="1"/>
+          </p:cNvSpPr>
+          <p:nvPr>
+            <p:ph type="body" idx="1"/>
+          </p:nvPr>
+        </p:nvSpPr>
+        <p:spPr>
+          <a:xfrm>
+            <a:off x="468313" y="1484313"/>
+            <a:ext cx="8135937" cy="4969023"/>
+          </a:xfrm>
+        </p:spPr>
+        <p:txBody>
+          <a:bodyPr/>
+          <a:lstStyle/>
+          <a:p>
+            <a:pPr eaLnBrk="1" hangingPunct="1">
+              <a:lnSpc>
+                <a:spcPct val="120000"/>
+              </a:lnSpc>
+            </a:pPr>
+            <a:r>
+              <a:rPr lang="de-DE" dirty="0" err="1" smtClean="0">
+                <a:solidFill>
+                  <a:srgbClr val="333399"/>
+                </a:solidFill>
+              </a:rPr>
+              <a:t>Wearable</a:t>
+            </a:r>
+            <a:r>
+              <a:rPr lang="de-DE" dirty="0" smtClean="0">
+                <a:solidFill>
+                  <a:srgbClr val="333399"/>
+                </a:solidFill>
+              </a:rPr>
+              <a:t> blink </a:t>
+            </a:r>
+            <a:r>
+              <a:rPr lang="de-DE" dirty="0" err="1" smtClean="0">
+                <a:solidFill>
+                  <a:srgbClr val="333399"/>
+                </a:solidFill>
+              </a:rPr>
+              <a:t>detection</a:t>
+            </a:r>
+            <a:r>
+              <a:rPr lang="de-DE" dirty="0" smtClean="0">
+                <a:solidFill>
+                  <a:srgbClr val="333399"/>
+                </a:solidFill>
+              </a:rPr>
+              <a:t> </a:t>
+            </a:r>
+            <a:r>
+              <a:rPr lang="de-DE" dirty="0" err="1" smtClean="0">
+                <a:solidFill>
+                  <a:srgbClr val="333399"/>
+                </a:solidFill>
+              </a:rPr>
+              <a:t>system</a:t>
+            </a:r>
+            <a:endParaRPr lang="de-DE" dirty="0" smtClean="0">
+              <a:solidFill>
+                <a:srgbClr val="333399"/>
+              </a:solidFill>
+            </a:endParaRPr>
+          </a:p>
+          <a:p>
+            <a:pPr eaLnBrk="1" hangingPunct="1">
+              <a:lnSpc>
+                <a:spcPct val="120000"/>
+              </a:lnSpc>
+            </a:pPr>
+            <a:r>
+              <a:rPr lang="de-DE" dirty="0" err="1" smtClean="0">
+                <a:solidFill>
+                  <a:srgbClr val="333399"/>
+                </a:solidFill>
+              </a:rPr>
+              <a:t>Unconscious</a:t>
+            </a:r>
+            <a:r>
+              <a:rPr lang="de-DE" dirty="0" smtClean="0">
+                <a:solidFill>
+                  <a:srgbClr val="333399"/>
+                </a:solidFill>
+              </a:rPr>
+              <a:t> blink </a:t>
+            </a:r>
+            <a:r>
+              <a:rPr lang="de-DE" dirty="0" err="1" smtClean="0">
+                <a:solidFill>
+                  <a:srgbClr val="333399"/>
+                </a:solidFill>
+              </a:rPr>
+              <a:t>triggering</a:t>
+            </a:r>
+            <a:endParaRPr lang="de-DE" dirty="0" smtClean="0">
+              <a:solidFill>
+                <a:srgbClr val="333399"/>
+              </a:solidFill>
+            </a:endParaRPr>
+          </a:p>
+          <a:p>
+            <a:pPr eaLnBrk="1" hangingPunct="1">
+              <a:lnSpc>
+                <a:spcPct val="120000"/>
+              </a:lnSpc>
+            </a:pPr>
+            <a:r>
+              <a:rPr lang="de-DE" dirty="0" smtClean="0">
+                <a:solidFill>
+                  <a:srgbClr val="333399"/>
+                </a:solidFill>
+              </a:rPr>
+              <a:t>Long </a:t>
+            </a:r>
+            <a:r>
+              <a:rPr lang="de-DE" dirty="0" err="1" smtClean="0">
+                <a:solidFill>
+                  <a:srgbClr val="333399"/>
+                </a:solidFill>
+              </a:rPr>
+              <a:t>term</a:t>
+            </a:r>
+            <a:r>
+              <a:rPr lang="de-DE" dirty="0" smtClean="0">
+                <a:solidFill>
+                  <a:srgbClr val="333399"/>
+                </a:solidFill>
+              </a:rPr>
+              <a:t> </a:t>
+            </a:r>
+            <a:r>
+              <a:rPr lang="de-DE" dirty="0" err="1" smtClean="0">
+                <a:solidFill>
+                  <a:srgbClr val="333399"/>
+                </a:solidFill>
+              </a:rPr>
+              <a:t>protection</a:t>
+            </a:r>
+            <a:r>
+              <a:rPr lang="de-DE" dirty="0" smtClean="0">
+                <a:solidFill>
+                  <a:srgbClr val="333399"/>
+                </a:solidFill>
+              </a:rPr>
+              <a:t> </a:t>
+            </a:r>
+            <a:r>
+              <a:rPr lang="de-DE" dirty="0" err="1" smtClean="0">
+                <a:solidFill>
+                  <a:srgbClr val="333399"/>
+                </a:solidFill>
+              </a:rPr>
+              <a:t>against</a:t>
+            </a:r>
+            <a:r>
+              <a:rPr lang="de-DE" dirty="0" smtClean="0">
+                <a:solidFill>
+                  <a:srgbClr val="333399"/>
+                </a:solidFill>
+              </a:rPr>
+              <a:t> dry </a:t>
+            </a:r>
+            <a:r>
+              <a:rPr lang="de-DE" dirty="0" err="1" smtClean="0">
+                <a:solidFill>
+                  <a:srgbClr val="333399"/>
+                </a:solidFill>
+              </a:rPr>
+              <a:t>eyes</a:t>
+            </a:r>
+            <a:endParaRPr lang="de-DE" dirty="0" smtClean="0">
+              <a:solidFill>
+                <a:srgbClr val="333399"/>
+              </a:solidFill>
+            </a:endParaRPr>
+          </a:p>
+          <a:p>
+            <a:pPr eaLnBrk="1" hangingPunct="1">
+              <a:lnSpc>
+                <a:spcPct val="120000"/>
+              </a:lnSpc>
+            </a:pPr>
+            <a:r>
+              <a:rPr lang="de-DE" dirty="0" err="1" smtClean="0">
+                <a:solidFill>
+                  <a:srgbClr val="333399"/>
+                </a:solidFill>
+              </a:rPr>
+              <a:t>Use</a:t>
+            </a:r>
+            <a:r>
+              <a:rPr lang="de-DE" dirty="0" smtClean="0">
+                <a:solidFill>
+                  <a:srgbClr val="333399"/>
+                </a:solidFill>
+              </a:rPr>
+              <a:t> blink </a:t>
+            </a:r>
+            <a:r>
+              <a:rPr lang="de-DE" dirty="0" err="1" smtClean="0">
+                <a:solidFill>
+                  <a:srgbClr val="333399"/>
+                </a:solidFill>
+              </a:rPr>
+              <a:t>as</a:t>
+            </a:r>
+            <a:r>
+              <a:rPr lang="de-DE" dirty="0" smtClean="0">
+                <a:solidFill>
+                  <a:srgbClr val="333399"/>
+                </a:solidFill>
+              </a:rPr>
+              <a:t> </a:t>
+            </a:r>
+            <a:r>
+              <a:rPr lang="de-DE" dirty="0" err="1" smtClean="0">
+                <a:solidFill>
+                  <a:srgbClr val="333399"/>
+                </a:solidFill>
+              </a:rPr>
+              <a:t>input</a:t>
+            </a:r>
+            <a:r>
+              <a:rPr lang="de-DE" dirty="0" smtClean="0">
+                <a:solidFill>
+                  <a:srgbClr val="333399"/>
+                </a:solidFill>
+              </a:rPr>
+              <a:t> </a:t>
+            </a:r>
+            <a:r>
+              <a:rPr lang="de-DE" dirty="0" err="1" smtClean="0">
+                <a:solidFill>
+                  <a:srgbClr val="333399"/>
+                </a:solidFill>
+              </a:rPr>
+              <a:t>for</a:t>
+            </a:r>
+            <a:r>
+              <a:rPr lang="de-DE" dirty="0" smtClean="0">
+                <a:solidFill>
+                  <a:srgbClr val="333399"/>
+                </a:solidFill>
+              </a:rPr>
+              <a:t> </a:t>
+            </a:r>
+            <a:r>
+              <a:rPr lang="de-DE" dirty="0" err="1" smtClean="0">
+                <a:solidFill>
+                  <a:srgbClr val="333399"/>
+                </a:solidFill>
+              </a:rPr>
+              <a:t>various</a:t>
+            </a:r>
+            <a:r>
+              <a:rPr lang="de-DE" dirty="0" smtClean="0">
+                <a:solidFill>
+                  <a:srgbClr val="333399"/>
+                </a:solidFill>
+              </a:rPr>
+              <a:t> </a:t>
+            </a:r>
+            <a:r>
+              <a:rPr lang="de-DE" dirty="0" err="1" smtClean="0">
+                <a:solidFill>
+                  <a:srgbClr val="333399"/>
+                </a:solidFill>
+              </a:rPr>
+              <a:t>applications</a:t>
+            </a:r>
+            <a:endParaRPr lang="de-DE" dirty="0" smtClean="0">
+              <a:solidFill>
+                <a:srgbClr val="333399"/>
+              </a:solidFill>
+            </a:endParaRPr>
+          </a:p>
+          <a:p>
+            <a:pPr eaLnBrk="1" hangingPunct="1">
+              <a:lnSpc>
+                <a:spcPct val="120000"/>
+              </a:lnSpc>
+            </a:pPr>
+            <a:endParaRPr lang="de-DE" dirty="0" smtClean="0"/>
+          </a:p>
+          <a:p>
+            <a:pPr eaLnBrk="1" hangingPunct="1"/>
+            <a:endParaRPr lang="de-DE" dirty="0" smtClean="0"/>
+          </a:p>
+        </p:txBody>
+      </p:sp>
+      <p:sp>
+        <p:nvSpPr>
+          <p:cNvPr id="4" name="Slide Number Placeholder 3"/>
+          <p:cNvSpPr>
+            <a:spLocks noGrp="1"/>
+          </p:cNvSpPr>
+          <p:nvPr>
+            <p:ph type="sldNum" sz="quarter" idx="4"/>
+          </p:nvPr>
+        </p:nvSpPr>
+        <p:spPr/>
+        <p:txBody>
+          <a:bodyPr/>
+          <a:lstStyle/>
+          <a:p>
+            <a:fld id="{0F6A6B0B-0B8E-354C-ADC8-BFD8471E8A46}" type="slidenum">
+              <a:rPr lang="en-US" smtClean="0"/>
+              <a:t>19</a:t>
+            </a:fld>
+            <a:endParaRPr lang="en-US" dirty="0"/>
+          </a:p>
+        </p:txBody>
+      </p:sp>
+      <p:sp>
+        <p:nvSpPr>
+          <p:cNvPr id="6" name="Footer Placeholder 5"/>
+          <p:cNvSpPr>
+            <a:spLocks noGrp="1"/>
+          </p:cNvSpPr>
+          <p:nvPr>
+            <p:ph type="ftr" sz="quarter" idx="11"/>
+          </p:nvPr>
+        </p:nvSpPr>
+        <p:spPr/>
+        <p:txBody>
+          <a:bodyPr/>
+          <a:lstStyle/>
+          <a:p>
+            <a:pPr>
+              <a:defRPr/>
+            </a:pPr>
+            <a:r>
+              <a:rPr lang="de-DE" dirty="0" err="1"/>
+              <a:t>eyeDrops</a:t>
+            </a:r>
+            <a:endParaRPr lang="de-DE" dirty="0"/>
+          </a:p>
+        </p:txBody>
+      </p:sp>
+    </p:spTree>
+    <p:extLst>
+      <p:ext uri="{BB962C8B-B14F-4D97-AF65-F5344CB8AC3E}">
+        <p14:creationId xmlns:p14="http://schemas.microsoft.com/office/powerpoint/2010/main" val="2687285956"/>
+      </p:ext>
+    </p:extLst>
+  </p:cSld>
+  <p:clrMapOvr>
+    <a:masterClrMapping/>
+  </p:clrMapOvr>
+  <p:transition/>
+  <p:timing>
+    <p:tnLst>
+      <p:par>
+        <p:cTn id="1" dur="indefinite" restart="never" nodeType="tmRoot"/>
+      </p:par>
+    </p:tnLst>
+  </p:timing>
+</p:sld>
+</file>
+
+<file path=ppt/slides/slide21.xml><?xml version="1.0" encoding="utf-8"?>
+<p:sld xmlns:a="http://schemas.openxmlformats.org/drawingml/2006/main" xmlns:r="http://schemas.openxmlformats.org/officeDocument/2006/relationships" xmlns:p="http://schemas.openxmlformats.org/presentationml/2006/main">
+  <p:cSld>
+    <p:spTree>
+      <p:nvGrpSpPr>
+        <p:cNvPr id="1" name=""/>
+        <p:cNvGrpSpPr/>
+        <p:nvPr/>
+      </p:nvGrpSpPr>
+      <p:grpSpPr>
+        <a:xfrm>
+          <a:off x="0" y="0"/>
+          <a:ext cx="0" cy="0"/>
+          <a:chOff x="0" y="0"/>
+          <a:chExt cx="0" cy="0"/>
+        </a:xfrm>
+      </p:grpSpPr>
+      <p:sp>
+        <p:nvSpPr>
           <p:cNvPr id="68612" name="Inhaltsplatzhalter 4"/>
           <p:cNvSpPr>
             <a:spLocks noGrp="1"/>
@@ -9085,7 +9611,7 @@
           <a:p>
             <a:fld id="{0F6A6B0B-0B8E-354C-ADC8-BFD8471E8A46}" type="slidenum">
               <a:rPr lang="en-US" smtClean="0"/>
-              <a:t>19</a:t>
+              <a:t>20</a:t>
             </a:fld>
             <a:endParaRPr lang="en-US" dirty="0"/>
           </a:p>
@@ -10489,8 +11015,8 @@
         </p:blipFill>
         <p:spPr>
           <a:xfrm>
-            <a:off x="827584" y="1988840"/>
-            <a:ext cx="7296732" cy="4103413"/>
+            <a:off x="539552" y="1268760"/>
+            <a:ext cx="7491862" cy="4569889"/>
           </a:xfrm>
           <a:prstGeom prst="rect">
             <a:avLst/>
@@ -10668,8 +11194,8 @@
         </p:blipFill>
         <p:spPr>
           <a:xfrm>
-            <a:off x="827585" y="1988840"/>
-            <a:ext cx="7296730" cy="4103413"/>
+            <a:off x="539552" y="1268760"/>
+            <a:ext cx="7491862" cy="4569888"/>
           </a:xfrm>
           <a:prstGeom prst="rect">
             <a:avLst/>
@@ -10679,7 +11205,7 @@
     </p:spTree>
     <p:extLst>
       <p:ext uri="{BB962C8B-B14F-4D97-AF65-F5344CB8AC3E}">
-        <p14:creationId xmlns:p14="http://schemas.microsoft.com/office/powerpoint/2010/main" val="573797977"/>
+        <p14:creationId xmlns:p14="http://schemas.microsoft.com/office/powerpoint/2010/main" val="4031239548"/>
       </p:ext>
     </p:extLst>
   </p:cSld>
@@ -10833,7 +11359,7 @@
           </p:cNvPicPr>
           <p:nvPr/>
         </p:nvPicPr>
-        <p:blipFill>
+        <p:blipFill rotWithShape="1">
           <a:blip r:embed="rId3">
             <a:extLst>
               <a:ext uri="{28A0092B-C50C-407E-A947-70E740481C1C}">
@@ -10841,14 +11367,13 @@
               </a:ext>
             </a:extLst>
           </a:blip>
-          <a:stretch>
-            <a:fillRect/>
-          </a:stretch>
+          <a:srcRect l="3844" t="17332" r="20224" b="16488"/>
+          <a:stretch/>
         </p:blipFill>
         <p:spPr>
           <a:xfrm>
-            <a:off x="827585" y="1988840"/>
-            <a:ext cx="7296730" cy="4103412"/>
+            <a:off x="468313" y="1988056"/>
+            <a:ext cx="7340600" cy="3902598"/>
           </a:xfrm>
           <a:prstGeom prst="rect">
             <a:avLst/>
@@ -10858,7 +11383,7 @@
     </p:spTree>
     <p:extLst>
       <p:ext uri="{BB962C8B-B14F-4D97-AF65-F5344CB8AC3E}">
-        <p14:creationId xmlns:p14="http://schemas.microsoft.com/office/powerpoint/2010/main" val="2889576669"/>
+        <p14:creationId xmlns:p14="http://schemas.microsoft.com/office/powerpoint/2010/main" val="3394981595"/>
       </p:ext>
     </p:extLst>
   </p:cSld>
